--- a/20170415/RichardCook_SeaHUGAgenda_20170415.pptx
+++ b/20170415/RichardCook_SeaHUGAgenda_20170415.pptx
@@ -3071,15 +3071,7 @@
           <a:p>
             <a:r>
               <a:rPr lang="en-US" dirty="0" smtClean="0"/>
-              <a:t>Agenda for </a:t>
-            </a:r>
-            <a:r>
-              <a:rPr lang="en-US" dirty="0" smtClean="0"/>
-              <a:t>15 April </a:t>
-            </a:r>
-            <a:r>
-              <a:rPr lang="en-US" dirty="0" smtClean="0"/>
-              <a:t>2017 meeting</a:t>
+              <a:t>Agenda for 15 April 2017 meeting</a:t>
             </a:r>
             <a:endParaRPr lang="en-US" dirty="0"/>
           </a:p>
@@ -3186,7 +3178,6 @@
               <a:rPr lang="en-US" dirty="0" smtClean="0"/>
               <a:t>Finished!</a:t>
             </a:r>
-            <a:endParaRPr lang="en-US" dirty="0" smtClean="0"/>
           </a:p>
         </p:txBody>
       </p:sp>
@@ -3277,8 +3268,23 @@
           <a:lstStyle/>
           <a:p>
             <a:r>
-              <a:rPr lang="en-US" smtClean="0"/>
-              <a:t>No specific agenda this month!</a:t>
+              <a:rPr lang="en-US" i="1" dirty="0" smtClean="0"/>
+              <a:t>The Mana Programming Language</a:t>
+            </a:r>
+            <a:r>
+              <a:rPr lang="en-US" dirty="0" smtClean="0"/>
+              <a:t/>
+            </a:r>
+            <a:br>
+              <a:rPr lang="en-US" dirty="0" smtClean="0"/>
+            </a:br>
+            <a:r>
+              <a:rPr lang="en-US" dirty="0" smtClean="0"/>
+              <a:t>Michael </a:t>
+            </a:r>
+            <a:r>
+              <a:rPr lang="en-US" dirty="0" err="1" smtClean="0"/>
+              <a:t>Kerekes</a:t>
             </a:r>
             <a:endParaRPr lang="en-US" dirty="0" smtClean="0"/>
           </a:p>
